--- a/Chap 11--Deployment pipeline 1.pptx
+++ b/Chap 11--Deployment pipeline 1.pptx
@@ -1415,7 +1415,7 @@
           <a:effectLst/>
           <a:extLst>
             <a:ext uri="{AF507438-7753-43e0-B8FC-AC1667EBCBE1}">
-              <a14:hiddenEffects xmlns="" xmlns:a14="http://schemas.microsoft.com/office/drawing/2010/main">
+              <a14:hiddenEffects xmlns:a14="http://schemas.microsoft.com/office/drawing/2010/main" xmlns="">
                 <a:effectLst>
                   <a:outerShdw blurRad="63500" dist="38099" dir="2700000" algn="ctr" rotWithShape="0">
                     <a:schemeClr val="bg2">
@@ -1457,7 +1457,7 @@
           <a:effectLst/>
           <a:extLst>
             <a:ext uri="{AF507438-7753-43e0-B8FC-AC1667EBCBE1}">
-              <a14:hiddenEffects xmlns="" xmlns:a14="http://schemas.microsoft.com/office/drawing/2010/main">
+              <a14:hiddenEffects xmlns:a14="http://schemas.microsoft.com/office/drawing/2010/main" xmlns="">
                 <a:effectLst>
                   <a:outerShdw blurRad="63500" dist="38099" dir="2700000" algn="ctr" rotWithShape="0">
                     <a:schemeClr val="bg2">
@@ -2445,7 +2445,7 @@
           <a:effectLst/>
           <a:extLst>
             <a:ext uri="{AF507438-7753-43e0-B8FC-AC1667EBCBE1}">
-              <a14:hiddenEffects xmlns="" xmlns:a14="http://schemas.microsoft.com/office/drawing/2010/main">
+              <a14:hiddenEffects xmlns:a14="http://schemas.microsoft.com/office/drawing/2010/main" xmlns="">
                 <a:effectLst>
                   <a:outerShdw blurRad="63500" dist="38099" dir="2700000" algn="ctr" rotWithShape="0">
                     <a:schemeClr val="bg2">
@@ -2907,14 +2907,14 @@
           <a:effectLst/>
           <a:extLst>
             <a:ext uri="{909E8E84-426E-40dd-AFC4-6F175D3DCCD1}">
-              <a14:hiddenFill xmlns="" xmlns:a14="http://schemas.microsoft.com/office/drawing/2010/main">
+              <a14:hiddenFill xmlns:a14="http://schemas.microsoft.com/office/drawing/2010/main" xmlns="">
                 <a:solidFill>
                   <a:schemeClr val="accent1"/>
                 </a:solidFill>
               </a14:hiddenFill>
             </a:ext>
             <a:ext uri="{91240B29-F687-4f45-9708-019B960494DF}">
-              <a14:hiddenLine xmlns="" xmlns:a14="http://schemas.microsoft.com/office/drawing/2010/main" w="9525">
+              <a14:hiddenLine xmlns:a14="http://schemas.microsoft.com/office/drawing/2010/main" xmlns="" w="9525">
                 <a:solidFill>
                   <a:schemeClr val="tx1"/>
                 </a:solidFill>
@@ -2924,7 +2924,7 @@
               </a14:hiddenLine>
             </a:ext>
             <a:ext uri="{AF507438-7753-43e0-B8FC-AC1667EBCBE1}">
-              <a14:hiddenEffects xmlns="" xmlns:a14="http://schemas.microsoft.com/office/drawing/2010/main">
+              <a14:hiddenEffects xmlns:a14="http://schemas.microsoft.com/office/drawing/2010/main" xmlns="">
                 <a:effectLst>
                   <a:outerShdw blurRad="63500" dist="38099" dir="2700000" algn="ctr" rotWithShape="0">
                     <a:schemeClr val="bg2">
@@ -2935,7 +2935,7 @@
               </a14:hiddenEffects>
             </a:ext>
             <a:ext uri="{FAA26D3D-D897-4be2-8F04-BA451C77F1D7}">
-              <ma14:placeholderFlag xmlns="" xmlns:ma14="http://schemas.microsoft.com/office/mac/drawingml/2011/main" val="1"/>
+              <ma14:placeholderFlag xmlns:ma14="http://schemas.microsoft.com/office/mac/drawingml/2011/main" xmlns="" val="1"/>
             </a:ext>
           </a:extLst>
         </p:spPr>
@@ -2980,14 +2980,14 @@
           <a:effectLst/>
           <a:extLst>
             <a:ext uri="{909E8E84-426E-40dd-AFC4-6F175D3DCCD1}">
-              <a14:hiddenFill xmlns="" xmlns:a14="http://schemas.microsoft.com/office/drawing/2010/main">
+              <a14:hiddenFill xmlns:a14="http://schemas.microsoft.com/office/drawing/2010/main" xmlns="">
                 <a:solidFill>
                   <a:schemeClr val="accent1"/>
                 </a:solidFill>
               </a14:hiddenFill>
             </a:ext>
             <a:ext uri="{91240B29-F687-4f45-9708-019B960494DF}">
-              <a14:hiddenLine xmlns="" xmlns:a14="http://schemas.microsoft.com/office/drawing/2010/main" w="9525">
+              <a14:hiddenLine xmlns:a14="http://schemas.microsoft.com/office/drawing/2010/main" xmlns="" w="9525">
                 <a:solidFill>
                   <a:schemeClr val="tx1"/>
                 </a:solidFill>
@@ -2997,7 +2997,7 @@
               </a14:hiddenLine>
             </a:ext>
             <a:ext uri="{AF507438-7753-43e0-B8FC-AC1667EBCBE1}">
-              <a14:hiddenEffects xmlns="" xmlns:a14="http://schemas.microsoft.com/office/drawing/2010/main">
+              <a14:hiddenEffects xmlns:a14="http://schemas.microsoft.com/office/drawing/2010/main" xmlns="">
                 <a:effectLst>
                   <a:outerShdw blurRad="63500" dist="38099" dir="2700000" algn="ctr" rotWithShape="0">
                     <a:schemeClr val="bg2">
@@ -3008,7 +3008,7 @@
               </a14:hiddenEffects>
             </a:ext>
             <a:ext uri="{FAA26D3D-D897-4be2-8F04-BA451C77F1D7}">
-              <ma14:placeholderFlag xmlns="" xmlns:ma14="http://schemas.microsoft.com/office/mac/drawingml/2011/main" val="1"/>
+              <ma14:placeholderFlag xmlns:ma14="http://schemas.microsoft.com/office/mac/drawingml/2011/main" xmlns="" val="1"/>
             </a:ext>
           </a:extLst>
         </p:spPr>
@@ -3701,7 +3701,7 @@
           <a:p>
             <a:r>
               <a:rPr lang="en-US" dirty="0"/>
-              <a:t>Chapter 11 – Deployment pipeline 1a</a:t>
+              <a:t>Chapter 11 – Deployment pipeline 1</a:t>
             </a:r>
           </a:p>
         </p:txBody>
@@ -7713,7 +7713,7 @@
         <p:spPr>
           <a:xfrm>
             <a:off x="687704" y="2137381"/>
-            <a:ext cx="4646296" cy="2980464"/>
+            <a:ext cx="4646296" cy="1000434"/>
           </a:xfrm>
           <a:prstGeom prst="rect">
             <a:avLst/>
@@ -7764,133 +7764,6 @@
                 <a:cs typeface="Carlito"/>
               </a:rPr>
               <a:t>Environments</a:t>
-            </a:r>
-            <a:endParaRPr sz="2800" dirty="0">
-              <a:latin typeface="Carlito"/>
-              <a:cs typeface="Carlito"/>
-            </a:endParaRPr>
-          </a:p>
-          <a:p>
-            <a:pPr marL="180975" indent="-171450">
-              <a:spcBef>
-                <a:spcPts val="495"/>
-              </a:spcBef>
-              <a:buFont typeface="Arial"/>
-              <a:buChar char="•"/>
-              <a:tabLst>
-                <a:tab pos="180975" algn="l"/>
-              </a:tabLst>
-            </a:pPr>
-            <a:r>
-              <a:rPr sz="2800" spc="-8" dirty="0">
-                <a:latin typeface="Carlito"/>
-                <a:cs typeface="Carlito"/>
-              </a:rPr>
-              <a:t>Development </a:t>
-            </a:r>
-            <a:r>
-              <a:rPr sz="2800" spc="-15" dirty="0">
-                <a:latin typeface="Carlito"/>
-                <a:cs typeface="Carlito"/>
-              </a:rPr>
-              <a:t>environment</a:t>
-            </a:r>
-            <a:endParaRPr sz="2800" dirty="0">
-              <a:latin typeface="Carlito"/>
-              <a:cs typeface="Carlito"/>
-            </a:endParaRPr>
-          </a:p>
-          <a:p>
-            <a:pPr marL="180975" indent="-171450">
-              <a:spcBef>
-                <a:spcPts val="499"/>
-              </a:spcBef>
-              <a:buFont typeface="Arial"/>
-              <a:buChar char="•"/>
-              <a:tabLst>
-                <a:tab pos="180975" algn="l"/>
-              </a:tabLst>
-            </a:pPr>
-            <a:r>
-              <a:rPr sz="2800" spc="-11" dirty="0">
-                <a:latin typeface="Carlito"/>
-                <a:cs typeface="Carlito"/>
-              </a:rPr>
-              <a:t>Integration</a:t>
-            </a:r>
-            <a:r>
-              <a:rPr sz="2800" spc="-26" dirty="0">
-                <a:latin typeface="Carlito"/>
-                <a:cs typeface="Carlito"/>
-              </a:rPr>
-              <a:t> </a:t>
-            </a:r>
-            <a:r>
-              <a:rPr sz="2800" spc="-15" dirty="0">
-                <a:latin typeface="Carlito"/>
-                <a:cs typeface="Carlito"/>
-              </a:rPr>
-              <a:t>environment</a:t>
-            </a:r>
-            <a:endParaRPr sz="2800" dirty="0">
-              <a:latin typeface="Carlito"/>
-              <a:cs typeface="Carlito"/>
-            </a:endParaRPr>
-          </a:p>
-          <a:p>
-            <a:pPr marL="180975" indent="-171450">
-              <a:spcBef>
-                <a:spcPts val="503"/>
-              </a:spcBef>
-              <a:buFont typeface="Arial"/>
-              <a:buChar char="•"/>
-              <a:tabLst>
-                <a:tab pos="180975" algn="l"/>
-              </a:tabLst>
-            </a:pPr>
-            <a:r>
-              <a:rPr sz="2800" spc="-8" dirty="0">
-                <a:latin typeface="Carlito"/>
-                <a:cs typeface="Carlito"/>
-              </a:rPr>
-              <a:t>Staging</a:t>
-            </a:r>
-            <a:r>
-              <a:rPr sz="2800" dirty="0">
-                <a:latin typeface="Carlito"/>
-                <a:cs typeface="Carlito"/>
-              </a:rPr>
-              <a:t> </a:t>
-            </a:r>
-            <a:r>
-              <a:rPr sz="2800" spc="-15" dirty="0">
-                <a:latin typeface="Carlito"/>
-                <a:cs typeface="Carlito"/>
-              </a:rPr>
-              <a:t>environment</a:t>
-            </a:r>
-            <a:endParaRPr sz="2800" dirty="0">
-              <a:latin typeface="Carlito"/>
-              <a:cs typeface="Carlito"/>
-            </a:endParaRPr>
-          </a:p>
-          <a:p>
-            <a:pPr marL="180975" indent="-171450">
-              <a:spcBef>
-                <a:spcPts val="495"/>
-              </a:spcBef>
-              <a:buFont typeface="Arial"/>
-              <a:buChar char="•"/>
-              <a:tabLst>
-                <a:tab pos="180975" algn="l"/>
-              </a:tabLst>
-            </a:pPr>
-            <a:r>
-              <a:rPr sz="2800" spc="-8" dirty="0">
-                <a:latin typeface="Carlito"/>
-                <a:cs typeface="Carlito"/>
-              </a:rPr>
-              <a:t>Deployment</a:t>
             </a:r>
             <a:endParaRPr sz="2800" dirty="0">
               <a:latin typeface="Carlito"/>
@@ -8021,7 +7894,7 @@
         <p:spPr>
           <a:xfrm>
             <a:off x="687704" y="2137381"/>
-            <a:ext cx="5189031" cy="2980464"/>
+            <a:ext cx="5189031" cy="1000434"/>
           </a:xfrm>
           <a:prstGeom prst="rect">
             <a:avLst/>
@@ -8074,133 +7947,6 @@
               <a:t>Environments</a:t>
             </a:r>
             <a:endParaRPr sz="2800" b="1" dirty="0">
-              <a:latin typeface="Carlito"/>
-              <a:cs typeface="Carlito"/>
-            </a:endParaRPr>
-          </a:p>
-          <a:p>
-            <a:pPr marL="180975" indent="-171450">
-              <a:spcBef>
-                <a:spcPts val="495"/>
-              </a:spcBef>
-              <a:buFont typeface="Arial"/>
-              <a:buChar char="•"/>
-              <a:tabLst>
-                <a:tab pos="180975" algn="l"/>
-              </a:tabLst>
-            </a:pPr>
-            <a:r>
-              <a:rPr sz="2800" spc="-8" dirty="0">
-                <a:latin typeface="Carlito"/>
-                <a:cs typeface="Carlito"/>
-              </a:rPr>
-              <a:t>Development </a:t>
-            </a:r>
-            <a:r>
-              <a:rPr sz="2800" spc="-15" dirty="0">
-                <a:latin typeface="Carlito"/>
-                <a:cs typeface="Carlito"/>
-              </a:rPr>
-              <a:t>environment</a:t>
-            </a:r>
-            <a:endParaRPr sz="2800" dirty="0">
-              <a:latin typeface="Carlito"/>
-              <a:cs typeface="Carlito"/>
-            </a:endParaRPr>
-          </a:p>
-          <a:p>
-            <a:pPr marL="180975" indent="-171450">
-              <a:spcBef>
-                <a:spcPts val="499"/>
-              </a:spcBef>
-              <a:buFont typeface="Arial"/>
-              <a:buChar char="•"/>
-              <a:tabLst>
-                <a:tab pos="180975" algn="l"/>
-              </a:tabLst>
-            </a:pPr>
-            <a:r>
-              <a:rPr sz="2800" spc="-11" dirty="0">
-                <a:latin typeface="Carlito"/>
-                <a:cs typeface="Carlito"/>
-              </a:rPr>
-              <a:t>Integration</a:t>
-            </a:r>
-            <a:r>
-              <a:rPr sz="2800" spc="-26" dirty="0">
-                <a:latin typeface="Carlito"/>
-                <a:cs typeface="Carlito"/>
-              </a:rPr>
-              <a:t> </a:t>
-            </a:r>
-            <a:r>
-              <a:rPr sz="2800" spc="-15" dirty="0">
-                <a:latin typeface="Carlito"/>
-                <a:cs typeface="Carlito"/>
-              </a:rPr>
-              <a:t>environment</a:t>
-            </a:r>
-            <a:endParaRPr sz="2800" dirty="0">
-              <a:latin typeface="Carlito"/>
-              <a:cs typeface="Carlito"/>
-            </a:endParaRPr>
-          </a:p>
-          <a:p>
-            <a:pPr marL="180975" indent="-171450">
-              <a:spcBef>
-                <a:spcPts val="503"/>
-              </a:spcBef>
-              <a:buFont typeface="Arial"/>
-              <a:buChar char="•"/>
-              <a:tabLst>
-                <a:tab pos="180975" algn="l"/>
-              </a:tabLst>
-            </a:pPr>
-            <a:r>
-              <a:rPr sz="2800" spc="-8" dirty="0">
-                <a:latin typeface="Carlito"/>
-                <a:cs typeface="Carlito"/>
-              </a:rPr>
-              <a:t>Staging</a:t>
-            </a:r>
-            <a:r>
-              <a:rPr sz="2800" dirty="0">
-                <a:latin typeface="Carlito"/>
-                <a:cs typeface="Carlito"/>
-              </a:rPr>
-              <a:t> </a:t>
-            </a:r>
-            <a:r>
-              <a:rPr sz="2800" spc="-15" dirty="0">
-                <a:latin typeface="Carlito"/>
-                <a:cs typeface="Carlito"/>
-              </a:rPr>
-              <a:t>environment</a:t>
-            </a:r>
-            <a:endParaRPr sz="2800" dirty="0">
-              <a:latin typeface="Carlito"/>
-              <a:cs typeface="Carlito"/>
-            </a:endParaRPr>
-          </a:p>
-          <a:p>
-            <a:pPr marL="180975" indent="-171450">
-              <a:spcBef>
-                <a:spcPts val="495"/>
-              </a:spcBef>
-              <a:buFont typeface="Arial"/>
-              <a:buChar char="•"/>
-              <a:tabLst>
-                <a:tab pos="180975" algn="l"/>
-              </a:tabLst>
-            </a:pPr>
-            <a:r>
-              <a:rPr sz="2800" spc="-8" dirty="0">
-                <a:latin typeface="Carlito"/>
-                <a:cs typeface="Carlito"/>
-              </a:rPr>
-              <a:t>Deployment</a:t>
-            </a:r>
-            <a:endParaRPr sz="2800" dirty="0">
               <a:latin typeface="Carlito"/>
               <a:cs typeface="Carlito"/>
             </a:endParaRPr>
@@ -14956,14 +14702,19 @@
             <p:ph idx="1"/>
           </p:nvPr>
         </p:nvSpPr>
-        <p:spPr/>
+        <p:spPr>
+          <a:xfrm>
+            <a:off x="533400" y="2209800"/>
+            <a:ext cx="7772400" cy="4038600"/>
+          </a:xfrm>
+        </p:spPr>
         <p:txBody>
           <a:bodyPr/>
           <a:lstStyle/>
           <a:p>
             <a:r>
-              <a:rPr lang="en-US" dirty="0"/>
-              <a:t>END  of Part 1a of Chapter 11</a:t>
+              <a:rPr lang="en-US" sz="4000" dirty="0"/>
+              <a:t>END  of Part 1 of Chapter 11</a:t>
             </a:r>
           </a:p>
         </p:txBody>
@@ -15153,7 +14904,7 @@
           <a:effectLst/>
           <a:extLst>
             <a:ext uri="{AF507438-7753-43e0-B8FC-AC1667EBCBE1}">
-              <a14:hiddenEffects xmlns="" xmlns:a14="http://schemas.microsoft.com/office/drawing/2010/main">
+              <a14:hiddenEffects xmlns:a14="http://schemas.microsoft.com/office/drawing/2010/main" xmlns="">
                 <a:effectLst>
                   <a:outerShdw blurRad="63500" dist="38099" dir="2700000" algn="ctr" rotWithShape="0">
                     <a:schemeClr val="bg2">
@@ -15301,7 +15052,7 @@
           <a:effectLst/>
           <a:extLst>
             <a:ext uri="{AF507438-7753-43e0-B8FC-AC1667EBCBE1}">
-              <a14:hiddenEffects xmlns="" xmlns:a14="http://schemas.microsoft.com/office/drawing/2010/main">
+              <a14:hiddenEffects xmlns:a14="http://schemas.microsoft.com/office/drawing/2010/main" xmlns="">
                 <a:effectLst>
                   <a:outerShdw blurRad="63500" dist="38099" dir="2700000" algn="ctr" rotWithShape="0">
                     <a:schemeClr val="bg2">
@@ -15441,7 +15192,7 @@
           <a:effectLst/>
           <a:extLst>
             <a:ext uri="{AF507438-7753-43e0-B8FC-AC1667EBCBE1}">
-              <a14:hiddenEffects xmlns="" xmlns:a14="http://schemas.microsoft.com/office/drawing/2010/main">
+              <a14:hiddenEffects xmlns:a14="http://schemas.microsoft.com/office/drawing/2010/main" xmlns="">
                 <a:effectLst>
                   <a:outerShdw blurRad="63500" dist="38099" dir="2700000" algn="ctr" rotWithShape="0">
                     <a:schemeClr val="bg2">
@@ -15589,7 +15340,7 @@
           <a:effectLst/>
           <a:extLst>
             <a:ext uri="{AF507438-7753-43e0-B8FC-AC1667EBCBE1}">
-              <a14:hiddenEffects xmlns="" xmlns:a14="http://schemas.microsoft.com/office/drawing/2010/main">
+              <a14:hiddenEffects xmlns:a14="http://schemas.microsoft.com/office/drawing/2010/main" xmlns="">
                 <a:effectLst>
                   <a:outerShdw blurRad="63500" dist="38099" dir="2700000" algn="ctr" rotWithShape="0">
                     <a:schemeClr val="bg2">
@@ -16861,7 +16612,7 @@
         <a:effectLst/>
         <a:extLst>
           <a:ext uri="{AF507438-7753-43e0-B8FC-AC1667EBCBE1}">
-            <a14:hiddenEffects xmlns="" xmlns:a14="http://schemas.microsoft.com/office/drawing/2010/main">
+            <a14:hiddenEffects xmlns:a14="http://schemas.microsoft.com/office/drawing/2010/main" xmlns="">
               <a:effectLst>
                 <a:outerShdw blurRad="63500" dist="38099" dir="2700000" algn="ctr" rotWithShape="0">
                   <a:schemeClr val="bg2">
@@ -16938,7 +16689,7 @@
         <a:effectLst/>
         <a:extLst>
           <a:ext uri="{AF507438-7753-43e0-B8FC-AC1667EBCBE1}">
-            <a14:hiddenEffects xmlns="" xmlns:a14="http://schemas.microsoft.com/office/drawing/2010/main">
+            <a14:hiddenEffects xmlns:a14="http://schemas.microsoft.com/office/drawing/2010/main" xmlns="">
               <a:effectLst>
                 <a:outerShdw blurRad="63500" dist="38099" dir="2700000" algn="ctr" rotWithShape="0">
                   <a:schemeClr val="bg2">
